--- a/p4-03-rapport.pptx
+++ b/p4-03-rapport.pptx
@@ -7257,14 +7257,14 @@
             <p:ph idx="1"/>
             <p:extLst>
               <p:ext uri="{D42A27DB-BD31-4B8C-83A1-F6EECF244321}">
-                <p14:modId xmlns:p14="http://schemas.microsoft.com/office/powerpoint/2010/main" val="245990227"/>
+                <p14:modId xmlns:p14="http://schemas.microsoft.com/office/powerpoint/2010/main" val="3295876708"/>
               </p:ext>
             </p:extLst>
           </p:nvPr>
         </p:nvGraphicFramePr>
         <p:xfrm>
           <a:off x="795194" y="1513508"/>
-          <a:ext cx="10858861" cy="4546357"/>
+          <a:ext cx="10858861" cy="4847742"/>
         </p:xfrm>
         <a:graphic>
           <a:graphicData uri="http://schemas.openxmlformats.org/drawingml/2006/table">
@@ -7337,7 +7337,7 @@
                     <a:p>
                       <a:pPr algn="ctr" fontAlgn="ctr"/>
                       <a:r>
-                        <a:rPr lang="fr-FR" sz="1400" b="1" i="0" u="none" strike="noStrike">
+                        <a:rPr lang="fr-FR" sz="2000" b="1" i="0" u="none" strike="noStrike">
                           <a:solidFill>
                             <a:srgbClr val="FFFFFF"/>
                           </a:solidFill>
@@ -7379,7 +7379,7 @@
                     <a:p>
                       <a:pPr algn="ctr" fontAlgn="ctr"/>
                       <a:r>
-                        <a:rPr lang="fr-FR" sz="1400" b="1" i="0" u="none" strike="noStrike">
+                        <a:rPr lang="fr-FR" sz="2000" b="1" i="0" u="none" strike="noStrike" dirty="0">
                           <a:solidFill>
                             <a:srgbClr val="FFFFFF"/>
                           </a:solidFill>
@@ -7530,14 +7530,24 @@
                     <a:p>
                       <a:pPr algn="ctr" fontAlgn="ctr"/>
                       <a:r>
-                        <a:rPr lang="fr-FR" sz="900" b="0" i="0" u="none" strike="noStrike">
+                        <a:rPr lang="fr-FR" sz="1800" b="0" i="0" u="none" strike="noStrike" dirty="0" err="1">
                           <a:solidFill>
                             <a:srgbClr val="FFFFFF"/>
                           </a:solidFill>
                           <a:effectLst/>
                           <a:latin typeface="Arial" panose="020B0604020202020204" pitchFamily="34" charset="0"/>
                         </a:rPr>
-                        <a:t>Title non renseigné</a:t>
+                        <a:t>Title</a:t>
+                      </a:r>
+                      <a:r>
+                        <a:rPr lang="fr-FR" sz="1800" b="0" i="0" u="none" strike="noStrike" dirty="0">
+                          <a:solidFill>
+                            <a:srgbClr val="FFFFFF"/>
+                          </a:solidFill>
+                          <a:effectLst/>
+                          <a:latin typeface="Arial" panose="020B0604020202020204" pitchFamily="34" charset="0"/>
+                        </a:rPr>
+                        <a:t> non renseigné</a:t>
                       </a:r>
                     </a:p>
                   </a:txBody>
@@ -7699,7 +7709,7 @@
                     <a:p>
                       <a:pPr algn="ctr" fontAlgn="ctr"/>
                       <a:r>
-                        <a:rPr lang="fr-FR" sz="900" b="0" i="0" u="none" strike="noStrike">
+                        <a:rPr lang="fr-FR" sz="1800" b="0" i="0" u="none" strike="noStrike" dirty="0">
                           <a:solidFill>
                             <a:srgbClr val="FFFFFF"/>
                           </a:solidFill>
@@ -7868,14 +7878,34 @@
                     <a:p>
                       <a:pPr algn="ctr" fontAlgn="ctr"/>
                       <a:r>
-                        <a:rPr lang="fr-FR" sz="900" b="0" i="0" u="none" strike="noStrike">
+                        <a:rPr lang="fr-FR" sz="1800" b="0" i="0" u="none" strike="noStrike" dirty="0">
                           <a:solidFill>
                             <a:srgbClr val="FFFFFF"/>
                           </a:solidFill>
                           <a:effectLst/>
                           <a:latin typeface="Arial" panose="020B0604020202020204" pitchFamily="34" charset="0"/>
                         </a:rPr>
-                        <a:t>Méta description : l'attribu "Content" n'est pas renseigné</a:t>
+                        <a:t>Méta description : l'</a:t>
+                      </a:r>
+                      <a:r>
+                        <a:rPr lang="fr-FR" sz="1800" b="0" i="0" u="none" strike="noStrike" dirty="0" err="1">
+                          <a:solidFill>
+                            <a:srgbClr val="FFFFFF"/>
+                          </a:solidFill>
+                          <a:effectLst/>
+                          <a:latin typeface="Arial" panose="020B0604020202020204" pitchFamily="34" charset="0"/>
+                        </a:rPr>
+                        <a:t>attribu</a:t>
+                      </a:r>
+                      <a:r>
+                        <a:rPr lang="fr-FR" sz="1800" b="0" i="0" u="none" strike="noStrike" dirty="0">
+                          <a:solidFill>
+                            <a:srgbClr val="FFFFFF"/>
+                          </a:solidFill>
+                          <a:effectLst/>
+                          <a:latin typeface="Arial" panose="020B0604020202020204" pitchFamily="34" charset="0"/>
+                        </a:rPr>
+                        <a:t> "Content" n'est pas renseigné</a:t>
                       </a:r>
                     </a:p>
                   </a:txBody>
@@ -8037,7 +8067,7 @@
                     <a:p>
                       <a:pPr algn="ctr" fontAlgn="ctr"/>
                       <a:r>
-                        <a:rPr lang="fr-FR" sz="900" b="0" i="0" u="none" strike="noStrike" dirty="0">
+                        <a:rPr lang="fr-FR" sz="1800" b="0" i="0" u="none" strike="noStrike" dirty="0">
                           <a:solidFill>
                             <a:srgbClr val="FFFFFF"/>
                           </a:solidFill>
@@ -8206,7 +8236,7 @@
                     <a:p>
                       <a:pPr algn="ctr" fontAlgn="ctr"/>
                       <a:r>
-                        <a:rPr lang="fr-FR" sz="900" b="0" i="0" u="none" strike="noStrike">
+                        <a:rPr lang="fr-FR" sz="1800" b="0" i="0" u="none" strike="noStrike" dirty="0">
                           <a:solidFill>
                             <a:srgbClr val="FFFFFF"/>
                           </a:solidFill>
@@ -8375,7 +8405,7 @@
                     <a:p>
                       <a:pPr algn="ctr" fontAlgn="ctr"/>
                       <a:r>
-                        <a:rPr lang="fr-FR" sz="900" b="0" i="0" u="none" strike="noStrike">
+                        <a:rPr lang="fr-FR" sz="1800" b="0" i="0" u="none" strike="noStrike" dirty="0">
                           <a:solidFill>
                             <a:srgbClr val="FFFFFF"/>
                           </a:solidFill>
@@ -8544,7 +8574,7 @@
                     <a:p>
                       <a:pPr algn="ctr" fontAlgn="ctr"/>
                       <a:r>
-                        <a:rPr lang="fr-FR" sz="900" b="0" i="0" u="none" strike="noStrike">
+                        <a:rPr lang="fr-FR" sz="1800" b="0" i="0" u="none" strike="noStrike" dirty="0">
                           <a:solidFill>
                             <a:srgbClr val="FFFFFF"/>
                           </a:solidFill>
@@ -8713,7 +8743,7 @@
                     <a:p>
                       <a:pPr algn="ctr" fontAlgn="ctr"/>
                       <a:r>
-                        <a:rPr lang="fr-FR" sz="900" b="0" i="0" u="none" strike="noStrike">
+                        <a:rPr lang="fr-FR" sz="1800" b="0" i="0" u="none" strike="noStrike" dirty="0">
                           <a:solidFill>
                             <a:srgbClr val="FFFFFF"/>
                           </a:solidFill>
@@ -8882,7 +8912,7 @@
                     <a:p>
                       <a:pPr algn="ctr" fontAlgn="ctr"/>
                       <a:r>
-                        <a:rPr lang="fr-FR" sz="900" b="0" i="0" u="none" strike="noStrike">
+                        <a:rPr lang="fr-FR" sz="1800" b="0" i="0" u="none" strike="noStrike" dirty="0">
                           <a:solidFill>
                             <a:srgbClr val="FFFFFF"/>
                           </a:solidFill>
@@ -9051,7 +9081,7 @@
                     <a:p>
                       <a:pPr algn="ctr" fontAlgn="ctr"/>
                       <a:r>
-                        <a:rPr lang="fr-FR" sz="900" b="0" i="0" u="none" strike="noStrike">
+                        <a:rPr lang="fr-FR" sz="1800" b="0" i="0" u="none" strike="noStrike" dirty="0">
                           <a:solidFill>
                             <a:srgbClr val="FFFFFF"/>
                           </a:solidFill>
@@ -9220,7 +9250,7 @@
                     <a:p>
                       <a:pPr algn="ctr" fontAlgn="ctr"/>
                       <a:r>
-                        <a:rPr lang="fr-FR" sz="900" b="0" i="0" u="none" strike="noStrike">
+                        <a:rPr lang="fr-FR" sz="1800" b="0" i="0" u="none" strike="noStrike" dirty="0">
                           <a:solidFill>
                             <a:srgbClr val="FFFFFF"/>
                           </a:solidFill>
@@ -9389,14 +9419,34 @@
                     <a:p>
                       <a:pPr algn="ctr" fontAlgn="ctr"/>
                       <a:r>
-                        <a:rPr lang="fr-FR" sz="900" b="0" i="0" u="none" strike="noStrike">
+                        <a:rPr lang="fr-FR" sz="1800" b="0" i="0" u="none" strike="noStrike" dirty="0">
                           <a:solidFill>
                             <a:srgbClr val="FFFFFF"/>
                           </a:solidFill>
                           <a:effectLst/>
                           <a:latin typeface="Arial" panose="020B0604020202020204" pitchFamily="34" charset="0"/>
                         </a:rPr>
-                        <a:t>l'attribu "Content" n'est pas renseigné</a:t>
+                        <a:t>l'</a:t>
+                      </a:r>
+                      <a:r>
+                        <a:rPr lang="fr-FR" sz="1800" b="0" i="0" u="none" strike="noStrike" dirty="0" err="1">
+                          <a:solidFill>
+                            <a:srgbClr val="FFFFFF"/>
+                          </a:solidFill>
+                          <a:effectLst/>
+                          <a:latin typeface="Arial" panose="020B0604020202020204" pitchFamily="34" charset="0"/>
+                        </a:rPr>
+                        <a:t>attribu</a:t>
+                      </a:r>
+                      <a:r>
+                        <a:rPr lang="fr-FR" sz="1800" b="0" i="0" u="none" strike="noStrike" dirty="0">
+                          <a:solidFill>
+                            <a:srgbClr val="FFFFFF"/>
+                          </a:solidFill>
+                          <a:effectLst/>
+                          <a:latin typeface="Arial" panose="020B0604020202020204" pitchFamily="34" charset="0"/>
+                        </a:rPr>
+                        <a:t> "Content" n'est pas renseigné</a:t>
                       </a:r>
                     </a:p>
                   </a:txBody>
@@ -9558,7 +9608,7 @@
                     <a:p>
                       <a:pPr algn="ctr" fontAlgn="ctr"/>
                       <a:r>
-                        <a:rPr lang="fr-FR" sz="900" b="0" i="0" u="none" strike="noStrike">
+                        <a:rPr lang="fr-FR" sz="1800" b="0" i="0" u="none" strike="noStrike" dirty="0">
                           <a:solidFill>
                             <a:srgbClr val="FFFFFF"/>
                           </a:solidFill>
@@ -9727,7 +9777,7 @@
                     <a:p>
                       <a:pPr algn="ctr" fontAlgn="ctr"/>
                       <a:r>
-                        <a:rPr lang="fr-FR" sz="900" b="0" i="0" u="none" strike="noStrike">
+                        <a:rPr lang="fr-FR" sz="1800" b="0" i="0" u="none" strike="noStrike" dirty="0">
                           <a:solidFill>
                             <a:srgbClr val="FFFFFF"/>
                           </a:solidFill>
@@ -9896,7 +9946,7 @@
                     <a:p>
                       <a:pPr algn="ctr" fontAlgn="ctr"/>
                       <a:r>
-                        <a:rPr lang="fr-FR" sz="900" b="0" i="0" u="none" strike="noStrike" dirty="0">
+                        <a:rPr lang="fr-FR" sz="1800" b="0" i="0" u="none" strike="noStrike" dirty="0">
                           <a:solidFill>
                             <a:srgbClr val="FFFFFF"/>
                           </a:solidFill>

--- a/p4-03-rapport.pptx
+++ b/p4-03-rapport.pptx
@@ -225,7 +225,7 @@
           <a:p>
             <a:fld id="{53F7EC79-C02D-4511-8596-5B719AB0BA58}" type="datetimeFigureOut">
               <a:rPr lang="fr-FR" smtClean="0"/>
-              <a:t>06/10/2020</a:t>
+              <a:t>07/10/2020</a:t>
             </a:fld>
             <a:endParaRPr lang="fr-FR"/>
           </a:p>
@@ -677,7 +677,7 @@
           <a:p>
             <a:fld id="{752D6672-6A6D-437A-AC60-802486552C25}" type="datetime1">
               <a:rPr lang="fr-FR" smtClean="0"/>
-              <a:t>06/10/2020</a:t>
+              <a:t>07/10/2020</a:t>
             </a:fld>
             <a:endParaRPr lang="fr-FR"/>
           </a:p>
@@ -990,7 +990,7 @@
           <a:p>
             <a:fld id="{B4BE2C74-BC49-4A8A-9808-C67AA7953E97}" type="datetime1">
               <a:rPr lang="fr-FR" smtClean="0"/>
-              <a:t>06/10/2020</a:t>
+              <a:t>07/10/2020</a:t>
             </a:fld>
             <a:endParaRPr lang="fr-FR"/>
           </a:p>
@@ -1197,7 +1197,7 @@
           <a:p>
             <a:fld id="{3E12FFB0-5E1A-4586-B26E-2FFA7A97DAC0}" type="datetime1">
               <a:rPr lang="fr-FR" smtClean="0"/>
-              <a:t>06/10/2020</a:t>
+              <a:t>07/10/2020</a:t>
             </a:fld>
             <a:endParaRPr lang="fr-FR"/>
           </a:p>
@@ -1473,7 +1473,7 @@
           <a:p>
             <a:fld id="{B9255CF7-FF79-487F-8277-FA58DEC4D734}" type="datetime1">
               <a:rPr lang="fr-FR" smtClean="0"/>
-              <a:t>06/10/2020</a:t>
+              <a:t>07/10/2020</a:t>
             </a:fld>
             <a:endParaRPr lang="fr-FR"/>
           </a:p>
@@ -1912,7 +1912,7 @@
           <a:p>
             <a:fld id="{9D7F27CC-8A18-4350-BF78-F8AB38F1C3E1}" type="datetime1">
               <a:rPr lang="fr-FR" smtClean="0"/>
-              <a:t>06/10/2020</a:t>
+              <a:t>07/10/2020</a:t>
             </a:fld>
             <a:endParaRPr lang="fr-FR"/>
           </a:p>
@@ -2464,7 +2464,7 @@
           <a:p>
             <a:fld id="{C59BBC5A-F83C-4E18-8703-F163F4E43502}" type="datetime1">
               <a:rPr lang="fr-FR" smtClean="0"/>
-              <a:t>06/10/2020</a:t>
+              <a:t>07/10/2020</a:t>
             </a:fld>
             <a:endParaRPr lang="fr-FR"/>
           </a:p>
@@ -3343,7 +3343,7 @@
           <a:p>
             <a:fld id="{BCC39332-A07C-4135-BC92-05A9232D039E}" type="datetime1">
               <a:rPr lang="fr-FR" smtClean="0"/>
-              <a:t>06/10/2020</a:t>
+              <a:t>07/10/2020</a:t>
             </a:fld>
             <a:endParaRPr lang="fr-FR"/>
           </a:p>
@@ -3528,7 +3528,7 @@
           <a:p>
             <a:fld id="{1A7679AB-AA44-4EE5-B903-061136CB7E26}" type="datetime1">
               <a:rPr lang="fr-FR" smtClean="0"/>
-              <a:t>06/10/2020</a:t>
+              <a:t>07/10/2020</a:t>
             </a:fld>
             <a:endParaRPr lang="fr-FR"/>
           </a:p>
@@ -3727,7 +3727,7 @@
           <a:p>
             <a:fld id="{050DCFB2-18E7-43BE-B407-AD05404F9F24}" type="datetime1">
               <a:rPr lang="fr-FR" smtClean="0"/>
-              <a:t>06/10/2020</a:t>
+              <a:t>07/10/2020</a:t>
             </a:fld>
             <a:endParaRPr lang="fr-FR"/>
           </a:p>
@@ -3912,7 +3912,7 @@
           <a:p>
             <a:fld id="{A63F9453-DB20-40CA-81FB-0030385A7D84}" type="datetime1">
               <a:rPr lang="fr-FR" smtClean="0"/>
-              <a:t>06/10/2020</a:t>
+              <a:t>07/10/2020</a:t>
             </a:fld>
             <a:endParaRPr lang="fr-FR"/>
           </a:p>
@@ -4171,7 +4171,7 @@
           <a:p>
             <a:fld id="{AA4F6A5A-8235-4FC6-904E-28F3B4E386C9}" type="datetime1">
               <a:rPr lang="fr-FR" smtClean="0"/>
-              <a:t>06/10/2020</a:t>
+              <a:t>07/10/2020</a:t>
             </a:fld>
             <a:endParaRPr lang="fr-FR"/>
           </a:p>
@@ -4422,7 +4422,7 @@
           <a:p>
             <a:fld id="{00FCEDEC-81F2-43CB-8577-9C77405B9A15}" type="datetime1">
               <a:rPr lang="fr-FR" smtClean="0"/>
-              <a:t>06/10/2020</a:t>
+              <a:t>07/10/2020</a:t>
             </a:fld>
             <a:endParaRPr lang="fr-FR"/>
           </a:p>
@@ -4908,7 +4908,7 @@
           <a:p>
             <a:fld id="{94A9ED4B-2B6D-44C7-92C7-B543E57F4207}" type="datetime1">
               <a:rPr lang="fr-FR" smtClean="0"/>
-              <a:t>06/10/2020</a:t>
+              <a:t>07/10/2020</a:t>
             </a:fld>
             <a:endParaRPr lang="fr-FR"/>
           </a:p>
@@ -5046,7 +5046,7 @@
           <a:p>
             <a:fld id="{8BFCD342-23D3-496E-9B94-EF6A7D9C2157}" type="datetime1">
               <a:rPr lang="fr-FR" smtClean="0"/>
-              <a:t>06/10/2020</a:t>
+              <a:t>07/10/2020</a:t>
             </a:fld>
             <a:endParaRPr lang="fr-FR"/>
           </a:p>
@@ -5156,7 +5156,7 @@
           <a:p>
             <a:fld id="{87EEEC59-9042-44A6-A74A-E04B211E3903}" type="datetime1">
               <a:rPr lang="fr-FR" smtClean="0"/>
-              <a:t>06/10/2020</a:t>
+              <a:t>07/10/2020</a:t>
             </a:fld>
             <a:endParaRPr lang="fr-FR"/>
           </a:p>
@@ -5426,7 +5426,7 @@
           <a:p>
             <a:fld id="{AF1A8E58-BEFD-463D-ACE6-840BB73A8368}" type="datetime1">
               <a:rPr lang="fr-FR" smtClean="0"/>
-              <a:t>06/10/2020</a:t>
+              <a:t>07/10/2020</a:t>
             </a:fld>
             <a:endParaRPr lang="fr-FR"/>
           </a:p>
@@ -5746,7 +5746,7 @@
           <a:p>
             <a:fld id="{244BBA18-1E7E-4526-9282-5835383EB457}" type="datetime1">
               <a:rPr lang="fr-FR" smtClean="0"/>
-              <a:t>06/10/2020</a:t>
+              <a:t>07/10/2020</a:t>
             </a:fld>
             <a:endParaRPr lang="fr-FR"/>
           </a:p>
@@ -5995,7 +5995,7 @@
           <a:p>
             <a:fld id="{09F89E11-6602-4AEE-8E70-C3E4C6D70B21}" type="datetime1">
               <a:rPr lang="fr-FR" smtClean="0"/>
-              <a:t>06/10/2020</a:t>
+              <a:t>07/10/2020</a:t>
             </a:fld>
             <a:endParaRPr lang="fr-FR"/>
           </a:p>
@@ -9534,7 +9534,7 @@
         </p:nvSpPr>
         <p:spPr>
           <a:xfrm>
-            <a:off x="4596272" y="6267748"/>
+            <a:off x="4924432" y="6437366"/>
             <a:ext cx="2754152" cy="369332"/>
           </a:xfrm>
           <a:prstGeom prst="rect">
@@ -29214,7 +29214,7 @@
           <a:p>
             <a:r>
               <a:rPr lang="fr-FR" dirty="0"/>
-              <a:t>Problème analysé</a:t>
+              <a:t>Problèmes analysés</a:t>
             </a:r>
           </a:p>
         </p:txBody>
@@ -29302,7 +29302,7 @@
             <p:ph idx="1"/>
             <p:extLst>
               <p:ext uri="{D42A27DB-BD31-4B8C-83A1-F6EECF244321}">
-                <p14:modId xmlns:p14="http://schemas.microsoft.com/office/powerpoint/2010/main" val="1899365942"/>
+                <p14:modId xmlns:p14="http://schemas.microsoft.com/office/powerpoint/2010/main" val="1671382492"/>
               </p:ext>
             </p:extLst>
           </p:nvPr>
@@ -29382,14 +29382,14 @@
                     <a:p>
                       <a:pPr algn="ctr" fontAlgn="ctr"/>
                       <a:r>
-                        <a:rPr lang="fr-FR" sz="2000" b="1" i="0" u="none" strike="noStrike">
+                        <a:rPr lang="fr-FR" sz="2000" b="1" i="0" u="none" strike="noStrike" dirty="0">
                           <a:solidFill>
                             <a:srgbClr val="FFFFFF"/>
                           </a:solidFill>
                           <a:effectLst/>
                           <a:latin typeface="Arial" panose="020B0604020202020204" pitchFamily="34" charset="0"/>
                         </a:rPr>
-                        <a:t>Categorie</a:t>
+                        <a:t>Catégorie</a:t>
                       </a:r>
                     </a:p>
                   </a:txBody>
@@ -32944,7 +32944,7 @@
         </p:blipFill>
         <p:spPr>
           <a:xfrm>
-            <a:off x="6584550" y="1942312"/>
+            <a:off x="6390889" y="1592661"/>
             <a:ext cx="5338879" cy="1257910"/>
           </a:xfrm>
           <a:prstGeom prst="rect">
@@ -32984,66 +32984,6 @@
       </p:pic>
       <p:pic>
         <p:nvPicPr>
-          <p:cNvPr id="21" name="Image 20">
-            <a:extLst>
-              <a:ext uri="{FF2B5EF4-FFF2-40B4-BE49-F238E27FC236}">
-                <a16:creationId xmlns:a16="http://schemas.microsoft.com/office/drawing/2014/main" id="{F58AEB0F-3F7F-4CCB-B635-BE60D8DF6515}"/>
-              </a:ext>
-            </a:extLst>
-          </p:cNvPr>
-          <p:cNvPicPr>
-            <a:picLocks noChangeAspect="1"/>
-          </p:cNvPicPr>
-          <p:nvPr/>
-        </p:nvPicPr>
-        <p:blipFill>
-          <a:blip r:embed="rId6"/>
-          <a:stretch>
-            <a:fillRect/>
-          </a:stretch>
-        </p:blipFill>
-        <p:spPr>
-          <a:xfrm>
-            <a:off x="5907176" y="3353122"/>
-            <a:ext cx="6124575" cy="1257300"/>
-          </a:xfrm>
-          <a:prstGeom prst="rect">
-            <a:avLst/>
-          </a:prstGeom>
-        </p:spPr>
-      </p:pic>
-      <p:pic>
-        <p:nvPicPr>
-          <p:cNvPr id="23" name="Image 22">
-            <a:extLst>
-              <a:ext uri="{FF2B5EF4-FFF2-40B4-BE49-F238E27FC236}">
-                <a16:creationId xmlns:a16="http://schemas.microsoft.com/office/drawing/2014/main" id="{C9B86139-AE81-4E64-8094-F1AC324C1A5D}"/>
-              </a:ext>
-            </a:extLst>
-          </p:cNvPr>
-          <p:cNvPicPr>
-            <a:picLocks noChangeAspect="1"/>
-          </p:cNvPicPr>
-          <p:nvPr/>
-        </p:nvPicPr>
-        <p:blipFill>
-          <a:blip r:embed="rId7"/>
-          <a:stretch>
-            <a:fillRect/>
-          </a:stretch>
-        </p:blipFill>
-        <p:spPr>
-          <a:xfrm>
-            <a:off x="1677989" y="3886522"/>
-            <a:ext cx="733425" cy="723900"/>
-          </a:xfrm>
-          <a:prstGeom prst="rect">
-            <a:avLst/>
-          </a:prstGeom>
-        </p:spPr>
-      </p:pic>
-      <p:pic>
-        <p:nvPicPr>
           <p:cNvPr id="25" name="Image 24">
             <a:extLst>
               <a:ext uri="{FF2B5EF4-FFF2-40B4-BE49-F238E27FC236}">
@@ -33057,7 +32997,7 @@
           <p:nvPr/>
         </p:nvPicPr>
         <p:blipFill>
-          <a:blip r:embed="rId8"/>
+          <a:blip r:embed="rId6"/>
           <a:stretch>
             <a:fillRect/>
           </a:stretch>
@@ -33087,7 +33027,7 @@
           <p:nvPr/>
         </p:nvPicPr>
         <p:blipFill>
-          <a:blip r:embed="rId9">
+          <a:blip r:embed="rId7">
             <a:extLst>
               <a:ext uri="{28A0092B-C50C-407E-A947-70E740481C1C}">
                 <a14:useLocalDpi xmlns:a14="http://schemas.microsoft.com/office/drawing/2010/main" val="0"/>
@@ -33123,7 +33063,7 @@
           <p:nvPr/>
         </p:nvPicPr>
         <p:blipFill>
-          <a:blip r:embed="rId10"/>
+          <a:blip r:embed="rId8"/>
           <a:stretch>
             <a:fillRect/>
           </a:stretch>
@@ -33132,6 +33072,66 @@
           <a:xfrm>
             <a:off x="2411414" y="4980692"/>
             <a:ext cx="2477618" cy="1037704"/>
+          </a:xfrm>
+          <a:prstGeom prst="rect">
+            <a:avLst/>
+          </a:prstGeom>
+        </p:spPr>
+      </p:pic>
+      <p:pic>
+        <p:nvPicPr>
+          <p:cNvPr id="12" name="Image 11">
+            <a:extLst>
+              <a:ext uri="{FF2B5EF4-FFF2-40B4-BE49-F238E27FC236}">
+                <a16:creationId xmlns:a16="http://schemas.microsoft.com/office/drawing/2014/main" id="{7F624462-3DBD-44BE-B667-BD7850C41FB1}"/>
+              </a:ext>
+            </a:extLst>
+          </p:cNvPr>
+          <p:cNvPicPr>
+            <a:picLocks noChangeAspect="1"/>
+          </p:cNvPicPr>
+          <p:nvPr/>
+        </p:nvPicPr>
+        <p:blipFill>
+          <a:blip r:embed="rId9"/>
+          <a:stretch>
+            <a:fillRect/>
+          </a:stretch>
+        </p:blipFill>
+        <p:spPr>
+          <a:xfrm>
+            <a:off x="5757105" y="3016869"/>
+            <a:ext cx="6115050" cy="1514475"/>
+          </a:xfrm>
+          <a:prstGeom prst="rect">
+            <a:avLst/>
+          </a:prstGeom>
+        </p:spPr>
+      </p:pic>
+      <p:pic>
+        <p:nvPicPr>
+          <p:cNvPr id="15" name="Image 14">
+            <a:extLst>
+              <a:ext uri="{FF2B5EF4-FFF2-40B4-BE49-F238E27FC236}">
+                <a16:creationId xmlns:a16="http://schemas.microsoft.com/office/drawing/2014/main" id="{C7FFC2D2-FB27-4896-BD82-C78787448E03}"/>
+              </a:ext>
+            </a:extLst>
+          </p:cNvPr>
+          <p:cNvPicPr>
+            <a:picLocks noChangeAspect="1"/>
+          </p:cNvPicPr>
+          <p:nvPr/>
+        </p:nvPicPr>
+        <p:blipFill>
+          <a:blip r:embed="rId10"/>
+          <a:stretch>
+            <a:fillRect/>
+          </a:stretch>
+        </p:blipFill>
+        <p:spPr>
+          <a:xfrm>
+            <a:off x="1529193" y="3871415"/>
+            <a:ext cx="839337" cy="685800"/>
           </a:xfrm>
           <a:prstGeom prst="rect">
             <a:avLst/>
@@ -33293,7 +33293,7 @@
             <p:ph idx="1"/>
             <p:extLst>
               <p:ext uri="{D42A27DB-BD31-4B8C-83A1-F6EECF244321}">
-                <p14:modId xmlns:p14="http://schemas.microsoft.com/office/powerpoint/2010/main" val="833244469"/>
+                <p14:modId xmlns:p14="http://schemas.microsoft.com/office/powerpoint/2010/main" val="3493788592"/>
               </p:ext>
             </p:extLst>
           </p:nvPr>
@@ -33984,14 +33984,14 @@
                     <a:p>
                       <a:pPr algn="ctr" fontAlgn="b"/>
                       <a:r>
-                        <a:rPr lang="fr-FR" sz="1100" b="1" i="0" u="none" strike="noStrike">
+                        <a:rPr lang="fr-FR" sz="1100" b="1" i="0" u="none" strike="noStrike" dirty="0">
                           <a:solidFill>
                             <a:srgbClr val="FFFFFF"/>
                           </a:solidFill>
                           <a:effectLst/>
                           <a:latin typeface="Arial" panose="020B0604020202020204" pitchFamily="34" charset="0"/>
                         </a:rPr>
-                        <a:t>Donner de la visibibilité</a:t>
+                        <a:t>Donner de la visibilité</a:t>
                       </a:r>
                     </a:p>
                   </a:txBody>
@@ -34171,7 +34171,7 @@
                     <a:p>
                       <a:pPr algn="ctr" fontAlgn="b"/>
                       <a:r>
-                        <a:rPr lang="fr-FR" sz="1100" b="1" i="0" u="none" strike="noStrike">
+                        <a:rPr lang="fr-FR" sz="1100" b="1" i="0" u="none" strike="noStrike" dirty="0">
                           <a:solidFill>
                             <a:srgbClr val="FFFFFF"/>
                           </a:solidFill>
@@ -34473,14 +34473,14 @@
                     <a:p>
                       <a:pPr algn="ctr" fontAlgn="b"/>
                       <a:r>
-                        <a:rPr lang="fr-FR" sz="1100" b="1" i="0" u="none" strike="noStrike">
+                        <a:rPr lang="fr-FR" sz="1100" b="1" i="0" u="none" strike="noStrike" dirty="0">
                           <a:solidFill>
                             <a:srgbClr val="FFFFFF"/>
                           </a:solidFill>
                           <a:effectLst/>
                           <a:latin typeface="Arial" panose="020B0604020202020204" pitchFamily="34" charset="0"/>
                         </a:rPr>
-                        <a:t>Agence web lyonnaise</a:t>
+                        <a:t>Agence web Lyonnaise</a:t>
                       </a:r>
                     </a:p>
                   </a:txBody>
